--- a/dist/illustrator/IllustratorIntro.pptx
+++ b/dist/illustrator/IllustratorIntro.pptx
@@ -5,7 +5,7 @@
     <p:sldMasterId id="2147483648" r:id="rId1"/>
   </p:sldMasterIdLst>
   <p:notesMasterIdLst>
-    <p:notesMasterId r:id="rId10"/>
+    <p:notesMasterId r:id="rId8"/>
   </p:notesMasterIdLst>
   <p:sldIdLst>
     <p:sldId id="256" r:id="rId2"/>
@@ -14,8 +14,6 @@
     <p:sldId id="354" r:id="rId5"/>
     <p:sldId id="355" r:id="rId6"/>
     <p:sldId id="357" r:id="rId7"/>
-    <p:sldId id="356" r:id="rId8"/>
-    <p:sldId id="352" r:id="rId9"/>
   </p:sldIdLst>
   <p:sldSz cx="12192000" cy="6858000"/>
   <p:notesSz cx="6858000" cy="9144000"/>
@@ -204,7 +202,7 @@
           <a:p>
             <a:fld id="{7B819E01-C806-EB4A-A503-DB891AE57D7E}" type="datetimeFigureOut">
               <a:rPr lang="en-US" smtClean="0"/>
-              <a:t>8/25/20</a:t>
+              <a:t>7/1/22</a:t>
             </a:fld>
             <a:endParaRPr lang="en-US"/>
           </a:p>
@@ -870,7 +868,7 @@
           <a:p>
             <a:fld id="{D6A2B9D8-F16C-384A-90F0-F536E4885530}" type="datetimeFigureOut">
               <a:rPr lang="en-US" smtClean="0"/>
-              <a:t>8/25/20</a:t>
+              <a:t>7/1/22</a:t>
             </a:fld>
             <a:endParaRPr lang="en-US"/>
           </a:p>
@@ -1068,7 +1066,7 @@
           <a:p>
             <a:fld id="{D6A2B9D8-F16C-384A-90F0-F536E4885530}" type="datetimeFigureOut">
               <a:rPr lang="en-US" smtClean="0"/>
-              <a:t>8/25/20</a:t>
+              <a:t>7/1/22</a:t>
             </a:fld>
             <a:endParaRPr lang="en-US"/>
           </a:p>
@@ -1276,7 +1274,7 @@
           <a:p>
             <a:fld id="{D6A2B9D8-F16C-384A-90F0-F536E4885530}" type="datetimeFigureOut">
               <a:rPr lang="en-US" smtClean="0"/>
-              <a:t>8/25/20</a:t>
+              <a:t>7/1/22</a:t>
             </a:fld>
             <a:endParaRPr lang="en-US"/>
           </a:p>
@@ -1474,7 +1472,7 @@
           <a:p>
             <a:fld id="{D6A2B9D8-F16C-384A-90F0-F536E4885530}" type="datetimeFigureOut">
               <a:rPr lang="en-US" smtClean="0"/>
-              <a:t>8/25/20</a:t>
+              <a:t>7/1/22</a:t>
             </a:fld>
             <a:endParaRPr lang="en-US"/>
           </a:p>
@@ -1749,7 +1747,7 @@
           <a:p>
             <a:fld id="{D6A2B9D8-F16C-384A-90F0-F536E4885530}" type="datetimeFigureOut">
               <a:rPr lang="en-US" smtClean="0"/>
-              <a:t>8/25/20</a:t>
+              <a:t>7/1/22</a:t>
             </a:fld>
             <a:endParaRPr lang="en-US"/>
           </a:p>
@@ -2014,7 +2012,7 @@
           <a:p>
             <a:fld id="{D6A2B9D8-F16C-384A-90F0-F536E4885530}" type="datetimeFigureOut">
               <a:rPr lang="en-US" smtClean="0"/>
-              <a:t>8/25/20</a:t>
+              <a:t>7/1/22</a:t>
             </a:fld>
             <a:endParaRPr lang="en-US"/>
           </a:p>
@@ -2426,7 +2424,7 @@
           <a:p>
             <a:fld id="{D6A2B9D8-F16C-384A-90F0-F536E4885530}" type="datetimeFigureOut">
               <a:rPr lang="en-US" smtClean="0"/>
-              <a:t>8/25/20</a:t>
+              <a:t>7/1/22</a:t>
             </a:fld>
             <a:endParaRPr lang="en-US"/>
           </a:p>
@@ -2567,7 +2565,7 @@
           <a:p>
             <a:fld id="{D6A2B9D8-F16C-384A-90F0-F536E4885530}" type="datetimeFigureOut">
               <a:rPr lang="en-US" smtClean="0"/>
-              <a:t>8/25/20</a:t>
+              <a:t>7/1/22</a:t>
             </a:fld>
             <a:endParaRPr lang="en-US"/>
           </a:p>
@@ -2680,7 +2678,7 @@
           <a:p>
             <a:fld id="{D6A2B9D8-F16C-384A-90F0-F536E4885530}" type="datetimeFigureOut">
               <a:rPr lang="en-US" smtClean="0"/>
-              <a:t>8/25/20</a:t>
+              <a:t>7/1/22</a:t>
             </a:fld>
             <a:endParaRPr lang="en-US"/>
           </a:p>
@@ -2991,7 +2989,7 @@
           <a:p>
             <a:fld id="{D6A2B9D8-F16C-384A-90F0-F536E4885530}" type="datetimeFigureOut">
               <a:rPr lang="en-US" smtClean="0"/>
-              <a:t>8/25/20</a:t>
+              <a:t>7/1/22</a:t>
             </a:fld>
             <a:endParaRPr lang="en-US"/>
           </a:p>
@@ -3279,7 +3277,7 @@
           <a:p>
             <a:fld id="{D6A2B9D8-F16C-384A-90F0-F536E4885530}" type="datetimeFigureOut">
               <a:rPr lang="en-US" smtClean="0"/>
-              <a:t>8/25/20</a:t>
+              <a:t>7/1/22</a:t>
             </a:fld>
             <a:endParaRPr lang="en-US"/>
           </a:p>
@@ -3520,7 +3518,7 @@
           <a:p>
             <a:fld id="{D6A2B9D8-F16C-384A-90F0-F536E4885530}" type="datetimeFigureOut">
               <a:rPr lang="en-US" smtClean="0"/>
-              <a:t>8/25/20</a:t>
+              <a:t>7/1/22</a:t>
             </a:fld>
             <a:endParaRPr lang="en-US"/>
           </a:p>
@@ -6175,194 +6173,6 @@
       <p:bldP spid="7" grpId="0" build="p"/>
     </p:bldLst>
   </p:timing>
-</p:sld>
-</file>
-
-<file path=ppt/slides/slide7.xml><?xml version="1.0" encoding="utf-8"?>
-<p:sld xmlns:a="http://schemas.openxmlformats.org/drawingml/2006/main" xmlns:r="http://schemas.openxmlformats.org/officeDocument/2006/relationships" xmlns:p="http://schemas.openxmlformats.org/presentationml/2006/main">
-  <p:cSld>
-    <p:spTree>
-      <p:nvGrpSpPr>
-        <p:cNvPr id="1" name=""/>
-        <p:cNvGrpSpPr/>
-        <p:nvPr/>
-      </p:nvGrpSpPr>
-      <p:grpSpPr>
-        <a:xfrm>
-          <a:off x="0" y="0"/>
-          <a:ext cx="0" cy="0"/>
-          <a:chOff x="0" y="0"/>
-          <a:chExt cx="0" cy="0"/>
-        </a:xfrm>
-      </p:grpSpPr>
-      <p:sp>
-        <p:nvSpPr>
-          <p:cNvPr id="2" name="Title 1">
-            <a:extLst>
-              <a:ext uri="{FF2B5EF4-FFF2-40B4-BE49-F238E27FC236}">
-                <a16:creationId xmlns:a16="http://schemas.microsoft.com/office/drawing/2014/main" id="{24C37AB6-6140-8F45-AE63-89C7F0F17CD3}"/>
-              </a:ext>
-            </a:extLst>
-          </p:cNvPr>
-          <p:cNvSpPr>
-            <a:spLocks noGrp="1"/>
-          </p:cNvSpPr>
-          <p:nvPr>
-            <p:ph type="title"/>
-          </p:nvPr>
-        </p:nvSpPr>
-        <p:spPr/>
-        <p:txBody>
-          <a:bodyPr/>
-          <a:lstStyle/>
-          <a:p>
-            <a:r>
-              <a:rPr lang="en-US" dirty="0"/>
-              <a:t>Illustrator overview</a:t>
-            </a:r>
-          </a:p>
-        </p:txBody>
-      </p:sp>
-      <p:sp>
-        <p:nvSpPr>
-          <p:cNvPr id="3" name="Content Placeholder 2">
-            <a:extLst>
-              <a:ext uri="{FF2B5EF4-FFF2-40B4-BE49-F238E27FC236}">
-                <a16:creationId xmlns:a16="http://schemas.microsoft.com/office/drawing/2014/main" id="{F9988A57-2D8D-E246-B062-CA3EC7A7D300}"/>
-              </a:ext>
-            </a:extLst>
-          </p:cNvPr>
-          <p:cNvSpPr>
-            <a:spLocks noGrp="1"/>
-          </p:cNvSpPr>
-          <p:nvPr>
-            <p:ph idx="1"/>
-          </p:nvPr>
-        </p:nvSpPr>
-        <p:spPr/>
-        <p:txBody>
-          <a:bodyPr/>
-          <a:lstStyle/>
-          <a:p>
-            <a:endParaRPr lang="en-US"/>
-          </a:p>
-        </p:txBody>
-      </p:sp>
-    </p:spTree>
-    <p:extLst>
-      <p:ext uri="{BB962C8B-B14F-4D97-AF65-F5344CB8AC3E}">
-        <p14:creationId xmlns:p14="http://schemas.microsoft.com/office/powerpoint/2010/main" val="1167877261"/>
-      </p:ext>
-    </p:extLst>
-  </p:cSld>
-  <p:clrMapOvr>
-    <a:masterClrMapping/>
-  </p:clrMapOvr>
-</p:sld>
-</file>
-
-<file path=ppt/slides/slide8.xml><?xml version="1.0" encoding="utf-8"?>
-<p:sld xmlns:a="http://schemas.openxmlformats.org/drawingml/2006/main" xmlns:r="http://schemas.openxmlformats.org/officeDocument/2006/relationships" xmlns:p="http://schemas.openxmlformats.org/presentationml/2006/main">
-  <p:cSld>
-    <p:spTree>
-      <p:nvGrpSpPr>
-        <p:cNvPr id="1" name=""/>
-        <p:cNvGrpSpPr/>
-        <p:nvPr/>
-      </p:nvGrpSpPr>
-      <p:grpSpPr>
-        <a:xfrm>
-          <a:off x="0" y="0"/>
-          <a:ext cx="0" cy="0"/>
-          <a:chOff x="0" y="0"/>
-          <a:chExt cx="0" cy="0"/>
-        </a:xfrm>
-      </p:grpSpPr>
-      <p:sp>
-        <p:nvSpPr>
-          <p:cNvPr id="2" name="Title 1">
-            <a:extLst>
-              <a:ext uri="{FF2B5EF4-FFF2-40B4-BE49-F238E27FC236}">
-                <a16:creationId xmlns:a16="http://schemas.microsoft.com/office/drawing/2014/main" id="{922C6B8D-02DA-D842-8C1B-E9011DA249C7}"/>
-              </a:ext>
-            </a:extLst>
-          </p:cNvPr>
-          <p:cNvSpPr>
-            <a:spLocks noGrp="1"/>
-          </p:cNvSpPr>
-          <p:nvPr>
-            <p:ph type="title"/>
-          </p:nvPr>
-        </p:nvSpPr>
-        <p:spPr/>
-        <p:txBody>
-          <a:bodyPr/>
-          <a:lstStyle/>
-          <a:p>
-            <a:r>
-              <a:rPr lang="en-US" dirty="0"/>
-              <a:t>For next class…</a:t>
-            </a:r>
-          </a:p>
-        </p:txBody>
-      </p:sp>
-      <p:sp>
-        <p:nvSpPr>
-          <p:cNvPr id="3" name="Content Placeholder 2">
-            <a:extLst>
-              <a:ext uri="{FF2B5EF4-FFF2-40B4-BE49-F238E27FC236}">
-                <a16:creationId xmlns:a16="http://schemas.microsoft.com/office/drawing/2014/main" id="{80555C22-EA37-0B42-A7AB-A367C56F8C07}"/>
-              </a:ext>
-            </a:extLst>
-          </p:cNvPr>
-          <p:cNvSpPr>
-            <a:spLocks noGrp="1"/>
-          </p:cNvSpPr>
-          <p:nvPr>
-            <p:ph idx="1"/>
-          </p:nvPr>
-        </p:nvSpPr>
-        <p:spPr>
-          <a:xfrm>
-            <a:off x="838200" y="1530416"/>
-            <a:ext cx="10515600" cy="5191059"/>
-          </a:xfrm>
-        </p:spPr>
-        <p:txBody>
-          <a:bodyPr>
-            <a:normAutofit/>
-          </a:bodyPr>
-          <a:lstStyle/>
-          <a:p>
-            <a:r>
-              <a:rPr lang="en-US" dirty="0"/>
-              <a:t>Add a few lines of text, links, or images to the class wiki on image formats</a:t>
-            </a:r>
-          </a:p>
-          <a:p>
-            <a:pPr marL="0" indent="0">
-              <a:buNone/>
-            </a:pPr>
-            <a:endParaRPr lang="en-US" dirty="0"/>
-          </a:p>
-          <a:p>
-            <a:r>
-              <a:rPr lang="en-US" dirty="0"/>
-              <a:t>Complete the “Untangle a bad figure in Illustrator” assignment</a:t>
-            </a:r>
-          </a:p>
-        </p:txBody>
-      </p:sp>
-    </p:spTree>
-    <p:extLst>
-      <p:ext uri="{BB962C8B-B14F-4D97-AF65-F5344CB8AC3E}">
-        <p14:creationId xmlns:p14="http://schemas.microsoft.com/office/powerpoint/2010/main" val="1861051676"/>
-      </p:ext>
-    </p:extLst>
-  </p:cSld>
-  <p:clrMapOvr>
-    <a:masterClrMapping/>
-  </p:clrMapOvr>
 </p:sld>
 </file>
 

--- a/dist/illustrator/IllustratorIntro.pptx
+++ b/dist/illustrator/IllustratorIntro.pptx
@@ -3982,7 +3982,7 @@
         <p:spPr/>
         <p:txBody>
           <a:bodyPr>
-            <a:normAutofit lnSpcReduction="10000"/>
+            <a:normAutofit/>
           </a:bodyPr>
           <a:lstStyle/>
           <a:p>
@@ -3993,12 +3993,6 @@
           </a:p>
           <a:p>
             <a:endParaRPr lang="en-US" dirty="0"/>
-          </a:p>
-          <a:p>
-            <a:r>
-              <a:rPr lang="en-US" dirty="0"/>
-              <a:t>Fall 2020</a:t>
-            </a:r>
           </a:p>
           <a:p>
             <a:r>
